--- a/Figures/MergeCluster/AD.pptx
+++ b/Figures/MergeCluster/AD.pptx
@@ -208,7 +208,7 @@
           <a:p>
             <a:fld id="{FE4DCF00-3990-0448-82D8-96AFC5DCA7B6}" type="datetimeFigureOut">
               <a:rPr lang="en-US" smtClean="0"/>
-              <a:t>2/23/24</a:t>
+              <a:t>2/29/24</a:t>
             </a:fld>
             <a:endParaRPr lang="en-US"/>
           </a:p>
@@ -706,7 +706,7 @@
           <a:p>
             <a:fld id="{A998DA84-98B5-DD46-882D-8C2847B204BE}" type="datetimeFigureOut">
               <a:rPr lang="en-US" smtClean="0"/>
-              <a:t>2/23/24</a:t>
+              <a:t>2/29/24</a:t>
             </a:fld>
             <a:endParaRPr lang="en-US"/>
           </a:p>
@@ -904,7 +904,7 @@
           <a:p>
             <a:fld id="{A998DA84-98B5-DD46-882D-8C2847B204BE}" type="datetimeFigureOut">
               <a:rPr lang="en-US" smtClean="0"/>
-              <a:t>2/23/24</a:t>
+              <a:t>2/29/24</a:t>
             </a:fld>
             <a:endParaRPr lang="en-US"/>
           </a:p>
@@ -1112,7 +1112,7 @@
           <a:p>
             <a:fld id="{A998DA84-98B5-DD46-882D-8C2847B204BE}" type="datetimeFigureOut">
               <a:rPr lang="en-US" smtClean="0"/>
-              <a:t>2/23/24</a:t>
+              <a:t>2/29/24</a:t>
             </a:fld>
             <a:endParaRPr lang="en-US"/>
           </a:p>
@@ -1310,7 +1310,7 @@
           <a:p>
             <a:fld id="{A998DA84-98B5-DD46-882D-8C2847B204BE}" type="datetimeFigureOut">
               <a:rPr lang="en-US" smtClean="0"/>
-              <a:t>2/23/24</a:t>
+              <a:t>2/29/24</a:t>
             </a:fld>
             <a:endParaRPr lang="en-US"/>
           </a:p>
@@ -1585,7 +1585,7 @@
           <a:p>
             <a:fld id="{A998DA84-98B5-DD46-882D-8C2847B204BE}" type="datetimeFigureOut">
               <a:rPr lang="en-US" smtClean="0"/>
-              <a:t>2/23/24</a:t>
+              <a:t>2/29/24</a:t>
             </a:fld>
             <a:endParaRPr lang="en-US"/>
           </a:p>
@@ -1850,7 +1850,7 @@
           <a:p>
             <a:fld id="{A998DA84-98B5-DD46-882D-8C2847B204BE}" type="datetimeFigureOut">
               <a:rPr lang="en-US" smtClean="0"/>
-              <a:t>2/23/24</a:t>
+              <a:t>2/29/24</a:t>
             </a:fld>
             <a:endParaRPr lang="en-US"/>
           </a:p>
@@ -2262,7 +2262,7 @@
           <a:p>
             <a:fld id="{A998DA84-98B5-DD46-882D-8C2847B204BE}" type="datetimeFigureOut">
               <a:rPr lang="en-US" smtClean="0"/>
-              <a:t>2/23/24</a:t>
+              <a:t>2/29/24</a:t>
             </a:fld>
             <a:endParaRPr lang="en-US"/>
           </a:p>
@@ -2403,7 +2403,7 @@
           <a:p>
             <a:fld id="{A998DA84-98B5-DD46-882D-8C2847B204BE}" type="datetimeFigureOut">
               <a:rPr lang="en-US" smtClean="0"/>
-              <a:t>2/23/24</a:t>
+              <a:t>2/29/24</a:t>
             </a:fld>
             <a:endParaRPr lang="en-US"/>
           </a:p>
@@ -2516,7 +2516,7 @@
           <a:p>
             <a:fld id="{A998DA84-98B5-DD46-882D-8C2847B204BE}" type="datetimeFigureOut">
               <a:rPr lang="en-US" smtClean="0"/>
-              <a:t>2/23/24</a:t>
+              <a:t>2/29/24</a:t>
             </a:fld>
             <a:endParaRPr lang="en-US"/>
           </a:p>
@@ -2827,7 +2827,7 @@
           <a:p>
             <a:fld id="{A998DA84-98B5-DD46-882D-8C2847B204BE}" type="datetimeFigureOut">
               <a:rPr lang="en-US" smtClean="0"/>
-              <a:t>2/23/24</a:t>
+              <a:t>2/29/24</a:t>
             </a:fld>
             <a:endParaRPr lang="en-US"/>
           </a:p>
@@ -3115,7 +3115,7 @@
           <a:p>
             <a:fld id="{A998DA84-98B5-DD46-882D-8C2847B204BE}" type="datetimeFigureOut">
               <a:rPr lang="en-US" smtClean="0"/>
-              <a:t>2/23/24</a:t>
+              <a:t>2/29/24</a:t>
             </a:fld>
             <a:endParaRPr lang="en-US"/>
           </a:p>
@@ -3356,7 +3356,7 @@
           <a:p>
             <a:fld id="{A998DA84-98B5-DD46-882D-8C2847B204BE}" type="datetimeFigureOut">
               <a:rPr lang="en-US" smtClean="0"/>
-              <a:t>2/23/24</a:t>
+              <a:t>2/29/24</a:t>
             </a:fld>
             <a:endParaRPr lang="en-US"/>
           </a:p>
@@ -3775,10 +3775,10 @@
       </p:grpSpPr>
       <p:sp>
         <p:nvSpPr>
-          <p:cNvPr id="14" name="Oval 13">
-            <a:extLst>
-              <a:ext uri="{FF2B5EF4-FFF2-40B4-BE49-F238E27FC236}">
-                <a16:creationId xmlns:a16="http://schemas.microsoft.com/office/drawing/2014/main" id="{6B94CCF3-2435-09A3-A7D1-8C6F4A0ECA6E}"/>
+          <p:cNvPr id="17" name="Oval 16">
+            <a:extLst>
+              <a:ext uri="{FF2B5EF4-FFF2-40B4-BE49-F238E27FC236}">
+                <a16:creationId xmlns:a16="http://schemas.microsoft.com/office/drawing/2014/main" id="{28DAE456-6BB9-ECCB-42F6-D362197A83C8}"/>
               </a:ext>
             </a:extLst>
           </p:cNvPr>
@@ -3787,14 +3787,15 @@
         </p:nvSpPr>
         <p:spPr>
           <a:xfrm>
-            <a:off x="3574540" y="2323272"/>
-            <a:ext cx="1366884" cy="1082220"/>
+            <a:off x="3656770" y="3621715"/>
+            <a:ext cx="1149703" cy="1082220"/>
           </a:xfrm>
           <a:prstGeom prst="ellipse">
             <a:avLst/>
           </a:prstGeom>
           <a:solidFill>
-            <a:schemeClr val="accent2">
+            <a:schemeClr val="accent1">
+              <a:lumMod val="50000"/>
               <a:alpha val="50000"/>
             </a:schemeClr>
           </a:solidFill>
@@ -3827,10 +3828,10 @@
       </p:sp>
       <p:sp>
         <p:nvSpPr>
-          <p:cNvPr id="17" name="Oval 16">
-            <a:extLst>
-              <a:ext uri="{FF2B5EF4-FFF2-40B4-BE49-F238E27FC236}">
-                <a16:creationId xmlns:a16="http://schemas.microsoft.com/office/drawing/2014/main" id="{28DAE456-6BB9-ECCB-42F6-D362197A83C8}"/>
+          <p:cNvPr id="21" name="Oval 20">
+            <a:extLst>
+              <a:ext uri="{FF2B5EF4-FFF2-40B4-BE49-F238E27FC236}">
+                <a16:creationId xmlns:a16="http://schemas.microsoft.com/office/drawing/2014/main" id="{41C11561-2D55-3869-8396-AE2498E38A07}"/>
               </a:ext>
             </a:extLst>
           </p:cNvPr>
@@ -3839,14 +3840,15 @@
         </p:nvSpPr>
         <p:spPr>
           <a:xfrm>
-            <a:off x="3656770" y="3621715"/>
+            <a:off x="7176100" y="3621715"/>
             <a:ext cx="1149703" cy="1082220"/>
           </a:xfrm>
           <a:prstGeom prst="ellipse">
             <a:avLst/>
           </a:prstGeom>
           <a:solidFill>
-            <a:schemeClr val="accent6">
+            <a:schemeClr val="accent1">
+              <a:lumMod val="50000"/>
               <a:alpha val="50000"/>
             </a:schemeClr>
           </a:solidFill>
@@ -3879,6 +3881,60 @@
       </p:sp>
       <p:sp>
         <p:nvSpPr>
+          <p:cNvPr id="14" name="Oval 13">
+            <a:extLst>
+              <a:ext uri="{FF2B5EF4-FFF2-40B4-BE49-F238E27FC236}">
+                <a16:creationId xmlns:a16="http://schemas.microsoft.com/office/drawing/2014/main" id="{6B94CCF3-2435-09A3-A7D1-8C6F4A0ECA6E}"/>
+              </a:ext>
+            </a:extLst>
+          </p:cNvPr>
+          <p:cNvSpPr/>
+          <p:nvPr/>
+        </p:nvSpPr>
+        <p:spPr>
+          <a:xfrm>
+            <a:off x="3574540" y="2323272"/>
+            <a:ext cx="1366884" cy="1082220"/>
+          </a:xfrm>
+          <a:prstGeom prst="ellipse">
+            <a:avLst/>
+          </a:prstGeom>
+          <a:solidFill>
+            <a:schemeClr val="accent2">
+              <a:lumMod val="20000"/>
+              <a:lumOff val="80000"/>
+              <a:alpha val="70241"/>
+            </a:schemeClr>
+          </a:solidFill>
+          <a:ln>
+            <a:noFill/>
+          </a:ln>
+        </p:spPr>
+        <p:style>
+          <a:lnRef idx="0">
+            <a:scrgbClr r="0" g="0" b="0"/>
+          </a:lnRef>
+          <a:fillRef idx="0">
+            <a:scrgbClr r="0" g="0" b="0"/>
+          </a:fillRef>
+          <a:effectRef idx="0">
+            <a:scrgbClr r="0" g="0" b="0"/>
+          </a:effectRef>
+          <a:fontRef idx="minor">
+            <a:schemeClr val="lt1"/>
+          </a:fontRef>
+        </p:style>
+        <p:txBody>
+          <a:bodyPr rtlCol="0" anchor="ctr"/>
+          <a:lstStyle/>
+          <a:p>
+            <a:pPr algn="ctr"/>
+            <a:endParaRPr lang="en-US"/>
+          </a:p>
+        </p:txBody>
+      </p:sp>
+      <p:sp>
+        <p:nvSpPr>
           <p:cNvPr id="13" name="Oval 12">
             <a:extLst>
               <a:ext uri="{FF2B5EF4-FFF2-40B4-BE49-F238E27FC236}">
@@ -3898,7 +3954,9 @@
             <a:avLst/>
           </a:prstGeom>
           <a:solidFill>
-            <a:schemeClr val="accent1">
+            <a:schemeClr val="tx2">
+              <a:lumMod val="50000"/>
+              <a:lumOff val="50000"/>
               <a:alpha val="50000"/>
             </a:schemeClr>
           </a:solidFill>
@@ -3951,6 +4009,7 @@
           </a:prstGeom>
           <a:solidFill>
             <a:schemeClr val="accent5">
+              <a:lumMod val="75000"/>
               <a:alpha val="50000"/>
             </a:schemeClr>
           </a:solidFill>
@@ -4001,100 +4060,11 @@
           <a:prstGeom prst="ellipse">
             <a:avLst/>
           </a:prstGeom>
-        </p:spPr>
-        <p:style>
-          <a:lnRef idx="2">
-            <a:schemeClr val="accent1">
-              <a:shade val="15000"/>
+          <a:solidFill>
+            <a:schemeClr val="tx2">
+              <a:lumMod val="50000"/>
+              <a:lumOff val="50000"/>
             </a:schemeClr>
-          </a:lnRef>
-          <a:fillRef idx="1">
-            <a:schemeClr val="accent1"/>
-          </a:fillRef>
-          <a:effectRef idx="0">
-            <a:schemeClr val="accent1"/>
-          </a:effectRef>
-          <a:fontRef idx="minor">
-            <a:schemeClr val="lt1"/>
-          </a:fontRef>
-        </p:style>
-        <p:txBody>
-          <a:bodyPr rtlCol="0" anchor="ctr"/>
-          <a:lstStyle/>
-          <a:p>
-            <a:pPr algn="ctr"/>
-            <a:endParaRPr lang="en-US"/>
-          </a:p>
-        </p:txBody>
-      </p:sp>
-      <p:sp>
-        <p:nvSpPr>
-          <p:cNvPr id="5" name="Oval 4">
-            <a:extLst>
-              <a:ext uri="{FF2B5EF4-FFF2-40B4-BE49-F238E27FC236}">
-                <a16:creationId xmlns:a16="http://schemas.microsoft.com/office/drawing/2014/main" id="{3BDD37AC-0DBA-D831-9F81-1DE40164F2F4}"/>
-              </a:ext>
-            </a:extLst>
-          </p:cNvPr>
-          <p:cNvSpPr/>
-          <p:nvPr/>
-        </p:nvSpPr>
-        <p:spPr>
-          <a:xfrm>
-            <a:off x="3934544" y="3054074"/>
-            <a:ext cx="186152" cy="186152"/>
-          </a:xfrm>
-          <a:prstGeom prst="ellipse">
-            <a:avLst/>
-          </a:prstGeom>
-        </p:spPr>
-        <p:style>
-          <a:lnRef idx="2">
-            <a:schemeClr val="accent1">
-              <a:shade val="15000"/>
-            </a:schemeClr>
-          </a:lnRef>
-          <a:fillRef idx="1">
-            <a:schemeClr val="accent1"/>
-          </a:fillRef>
-          <a:effectRef idx="0">
-            <a:schemeClr val="accent1"/>
-          </a:effectRef>
-          <a:fontRef idx="minor">
-            <a:schemeClr val="lt1"/>
-          </a:fontRef>
-        </p:style>
-        <p:txBody>
-          <a:bodyPr rtlCol="0" anchor="ctr"/>
-          <a:lstStyle/>
-          <a:p>
-            <a:pPr algn="ctr"/>
-            <a:endParaRPr lang="en-US"/>
-          </a:p>
-        </p:txBody>
-      </p:sp>
-      <p:sp>
-        <p:nvSpPr>
-          <p:cNvPr id="8" name="Oval 7">
-            <a:extLst>
-              <a:ext uri="{FF2B5EF4-FFF2-40B4-BE49-F238E27FC236}">
-                <a16:creationId xmlns:a16="http://schemas.microsoft.com/office/drawing/2014/main" id="{761E5F56-5DA7-6DA8-98EF-1EA895E621ED}"/>
-              </a:ext>
-            </a:extLst>
-          </p:cNvPr>
-          <p:cNvSpPr/>
-          <p:nvPr/>
-        </p:nvSpPr>
-        <p:spPr>
-          <a:xfrm>
-            <a:off x="3753134" y="2806015"/>
-            <a:ext cx="186152" cy="186152"/>
-          </a:xfrm>
-          <a:prstGeom prst="ellipse">
-            <a:avLst/>
-          </a:prstGeom>
-          <a:solidFill>
-            <a:schemeClr val="accent2"/>
           </a:solidFill>
         </p:spPr>
         <p:style>
@@ -4124,10 +4094,10 @@
       </p:sp>
       <p:sp>
         <p:nvSpPr>
-          <p:cNvPr id="9" name="Oval 8">
-            <a:extLst>
-              <a:ext uri="{FF2B5EF4-FFF2-40B4-BE49-F238E27FC236}">
-                <a16:creationId xmlns:a16="http://schemas.microsoft.com/office/drawing/2014/main" id="{EFEC3851-6562-9ED7-80E2-6A487A8BEEBF}"/>
+          <p:cNvPr id="5" name="Oval 4">
+            <a:extLst>
+              <a:ext uri="{FF2B5EF4-FFF2-40B4-BE49-F238E27FC236}">
+                <a16:creationId xmlns:a16="http://schemas.microsoft.com/office/drawing/2014/main" id="{3BDD37AC-0DBA-D831-9F81-1DE40164F2F4}"/>
               </a:ext>
             </a:extLst>
           </p:cNvPr>
@@ -4136,14 +4106,17 @@
         </p:nvSpPr>
         <p:spPr>
           <a:xfrm>
-            <a:off x="4315150" y="3105368"/>
+            <a:off x="3934544" y="3054074"/>
             <a:ext cx="186152" cy="186152"/>
           </a:xfrm>
           <a:prstGeom prst="ellipse">
             <a:avLst/>
           </a:prstGeom>
           <a:solidFill>
-            <a:schemeClr val="accent2"/>
+            <a:schemeClr val="tx2">
+              <a:lumMod val="50000"/>
+              <a:lumOff val="50000"/>
+            </a:schemeClr>
           </a:solidFill>
         </p:spPr>
         <p:style>
@@ -4223,55 +4196,6 @@
       </p:sp>
       <p:sp>
         <p:nvSpPr>
-          <p:cNvPr id="11" name="Oval 10">
-            <a:extLst>
-              <a:ext uri="{FF2B5EF4-FFF2-40B4-BE49-F238E27FC236}">
-                <a16:creationId xmlns:a16="http://schemas.microsoft.com/office/drawing/2014/main" id="{BA81717B-51CE-AED2-8B66-A0C0B1ED5DA7}"/>
-              </a:ext>
-            </a:extLst>
-          </p:cNvPr>
-          <p:cNvSpPr/>
-          <p:nvPr/>
-        </p:nvSpPr>
-        <p:spPr>
-          <a:xfrm>
-            <a:off x="4485741" y="2525209"/>
-            <a:ext cx="186152" cy="186152"/>
-          </a:xfrm>
-          <a:prstGeom prst="ellipse">
-            <a:avLst/>
-          </a:prstGeom>
-          <a:solidFill>
-            <a:schemeClr val="accent2"/>
-          </a:solidFill>
-        </p:spPr>
-        <p:style>
-          <a:lnRef idx="2">
-            <a:schemeClr val="accent1">
-              <a:shade val="15000"/>
-            </a:schemeClr>
-          </a:lnRef>
-          <a:fillRef idx="1">
-            <a:schemeClr val="accent1"/>
-          </a:fillRef>
-          <a:effectRef idx="0">
-            <a:schemeClr val="accent1"/>
-          </a:effectRef>
-          <a:fontRef idx="minor">
-            <a:schemeClr val="lt1"/>
-          </a:fontRef>
-        </p:style>
-        <p:txBody>
-          <a:bodyPr rtlCol="0" anchor="ctr"/>
-          <a:lstStyle/>
-          <a:p>
-            <a:pPr algn="ctr"/>
-            <a:endParaRPr lang="en-US"/>
-          </a:p>
-        </p:txBody>
-      </p:sp>
-      <p:sp>
-        <p:nvSpPr>
           <p:cNvPr id="12" name="Oval 11">
             <a:extLst>
               <a:ext uri="{FF2B5EF4-FFF2-40B4-BE49-F238E27FC236}">
@@ -4291,7 +4215,10 @@
             <a:avLst/>
           </a:prstGeom>
           <a:solidFill>
-            <a:schemeClr val="accent1"/>
+            <a:schemeClr val="tx2">
+              <a:lumMod val="50000"/>
+              <a:lumOff val="50000"/>
+            </a:schemeClr>
           </a:solidFill>
         </p:spPr>
         <p:style>
@@ -4454,10 +4381,10 @@
       </p:sp>
       <p:sp>
         <p:nvSpPr>
-          <p:cNvPr id="2" name="Oval 1">
-            <a:extLst>
-              <a:ext uri="{FF2B5EF4-FFF2-40B4-BE49-F238E27FC236}">
-                <a16:creationId xmlns:a16="http://schemas.microsoft.com/office/drawing/2014/main" id="{15BA07E4-A07B-08EE-7ED7-EAFCCB142A6D}"/>
+          <p:cNvPr id="15" name="Oval 14">
+            <a:extLst>
+              <a:ext uri="{FF2B5EF4-FFF2-40B4-BE49-F238E27FC236}">
+                <a16:creationId xmlns:a16="http://schemas.microsoft.com/office/drawing/2014/main" id="{11E7B0BF-FB4B-8E3F-2D30-32B48D3DCBA0}"/>
               </a:ext>
             </a:extLst>
           </p:cNvPr>
@@ -4466,14 +4393,16 @@
         </p:nvSpPr>
         <p:spPr>
           <a:xfrm>
-            <a:off x="4018643" y="3805009"/>
+            <a:off x="3072302" y="1753686"/>
             <a:ext cx="186152" cy="186152"/>
           </a:xfrm>
           <a:prstGeom prst="ellipse">
             <a:avLst/>
           </a:prstGeom>
           <a:solidFill>
-            <a:schemeClr val="accent6"/>
+            <a:schemeClr val="accent5">
+              <a:lumMod val="75000"/>
+            </a:schemeClr>
           </a:solidFill>
         </p:spPr>
         <p:style>
@@ -4503,10 +4432,10 @@
       </p:sp>
       <p:sp>
         <p:nvSpPr>
-          <p:cNvPr id="3" name="Oval 2">
-            <a:extLst>
-              <a:ext uri="{FF2B5EF4-FFF2-40B4-BE49-F238E27FC236}">
-                <a16:creationId xmlns:a16="http://schemas.microsoft.com/office/drawing/2014/main" id="{93EB58B7-2CC0-0EF9-2213-87A183DC6D92}"/>
+          <p:cNvPr id="18" name="Oval 17">
+            <a:extLst>
+              <a:ext uri="{FF2B5EF4-FFF2-40B4-BE49-F238E27FC236}">
+                <a16:creationId xmlns:a16="http://schemas.microsoft.com/office/drawing/2014/main" id="{97F268DD-2965-0580-E724-62E9370DA916}"/>
               </a:ext>
             </a:extLst>
           </p:cNvPr>
@@ -4515,14 +4444,16 @@
         </p:nvSpPr>
         <p:spPr>
           <a:xfrm>
-            <a:off x="4457895" y="4179592"/>
+            <a:off x="3376613" y="2169190"/>
             <a:ext cx="186152" cy="186152"/>
           </a:xfrm>
           <a:prstGeom prst="ellipse">
             <a:avLst/>
           </a:prstGeom>
           <a:solidFill>
-            <a:schemeClr val="accent6"/>
+            <a:schemeClr val="accent5">
+              <a:lumMod val="75000"/>
+            </a:schemeClr>
           </a:solidFill>
         </p:spPr>
         <p:style>
@@ -4552,10 +4483,10 @@
       </p:sp>
       <p:sp>
         <p:nvSpPr>
-          <p:cNvPr id="7" name="Oval 6">
-            <a:extLst>
-              <a:ext uri="{FF2B5EF4-FFF2-40B4-BE49-F238E27FC236}">
-                <a16:creationId xmlns:a16="http://schemas.microsoft.com/office/drawing/2014/main" id="{E844F5BA-A85B-D013-685F-85C3894FFF0B}"/>
+          <p:cNvPr id="19" name="Oval 18">
+            <a:extLst>
+              <a:ext uri="{FF2B5EF4-FFF2-40B4-BE49-F238E27FC236}">
+                <a16:creationId xmlns:a16="http://schemas.microsoft.com/office/drawing/2014/main" id="{13DD0607-7623-463D-886F-C29BCE47546F}"/>
               </a:ext>
             </a:extLst>
           </p:cNvPr>
@@ -4564,14 +4495,16 @@
         </p:nvSpPr>
         <p:spPr>
           <a:xfrm>
-            <a:off x="3858175" y="4254472"/>
+            <a:off x="3763010" y="1790814"/>
             <a:ext cx="186152" cy="186152"/>
           </a:xfrm>
           <a:prstGeom prst="ellipse">
             <a:avLst/>
           </a:prstGeom>
           <a:solidFill>
-            <a:schemeClr val="accent6"/>
+            <a:schemeClr val="accent5">
+              <a:lumMod val="75000"/>
+            </a:schemeClr>
           </a:solidFill>
         </p:spPr>
         <p:style>
@@ -4601,10 +4534,10 @@
       </p:sp>
       <p:sp>
         <p:nvSpPr>
-          <p:cNvPr id="15" name="Oval 14">
-            <a:extLst>
-              <a:ext uri="{FF2B5EF4-FFF2-40B4-BE49-F238E27FC236}">
-                <a16:creationId xmlns:a16="http://schemas.microsoft.com/office/drawing/2014/main" id="{11E7B0BF-FB4B-8E3F-2D30-32B48D3DCBA0}"/>
+          <p:cNvPr id="22" name="Oval 21">
+            <a:extLst>
+              <a:ext uri="{FF2B5EF4-FFF2-40B4-BE49-F238E27FC236}">
+                <a16:creationId xmlns:a16="http://schemas.microsoft.com/office/drawing/2014/main" id="{48A6D37C-7395-9DEE-9E2F-4D2A5595EA01}"/>
               </a:ext>
             </a:extLst>
           </p:cNvPr>
@@ -4612,162 +4545,17 @@
           <p:nvPr/>
         </p:nvSpPr>
         <p:spPr>
-          <a:xfrm>
-            <a:off x="3072302" y="1753686"/>
-            <a:ext cx="186152" cy="186152"/>
+          <a:xfrm rot="19373668">
+            <a:off x="6405141" y="2486079"/>
+            <a:ext cx="2179762" cy="1149459"/>
           </a:xfrm>
           <a:prstGeom prst="ellipse">
             <a:avLst/>
           </a:prstGeom>
           <a:solidFill>
-            <a:schemeClr val="accent5"/>
-          </a:solidFill>
-        </p:spPr>
-        <p:style>
-          <a:lnRef idx="2">
-            <a:schemeClr val="accent1">
-              <a:shade val="15000"/>
-            </a:schemeClr>
-          </a:lnRef>
-          <a:fillRef idx="1">
-            <a:schemeClr val="accent1"/>
-          </a:fillRef>
-          <a:effectRef idx="0">
-            <a:schemeClr val="accent1"/>
-          </a:effectRef>
-          <a:fontRef idx="minor">
-            <a:schemeClr val="lt1"/>
-          </a:fontRef>
-        </p:style>
-        <p:txBody>
-          <a:bodyPr rtlCol="0" anchor="ctr"/>
-          <a:lstStyle/>
-          <a:p>
-            <a:pPr algn="ctr"/>
-            <a:endParaRPr lang="en-US"/>
-          </a:p>
-        </p:txBody>
-      </p:sp>
-      <p:sp>
-        <p:nvSpPr>
-          <p:cNvPr id="18" name="Oval 17">
-            <a:extLst>
-              <a:ext uri="{FF2B5EF4-FFF2-40B4-BE49-F238E27FC236}">
-                <a16:creationId xmlns:a16="http://schemas.microsoft.com/office/drawing/2014/main" id="{97F268DD-2965-0580-E724-62E9370DA916}"/>
-              </a:ext>
-            </a:extLst>
-          </p:cNvPr>
-          <p:cNvSpPr/>
-          <p:nvPr/>
-        </p:nvSpPr>
-        <p:spPr>
-          <a:xfrm>
-            <a:off x="3376613" y="2169190"/>
-            <a:ext cx="186152" cy="186152"/>
-          </a:xfrm>
-          <a:prstGeom prst="ellipse">
-            <a:avLst/>
-          </a:prstGeom>
-          <a:solidFill>
-            <a:schemeClr val="accent5"/>
-          </a:solidFill>
-        </p:spPr>
-        <p:style>
-          <a:lnRef idx="2">
-            <a:schemeClr val="accent1">
-              <a:shade val="15000"/>
-            </a:schemeClr>
-          </a:lnRef>
-          <a:fillRef idx="1">
-            <a:schemeClr val="accent1"/>
-          </a:fillRef>
-          <a:effectRef idx="0">
-            <a:schemeClr val="accent1"/>
-          </a:effectRef>
-          <a:fontRef idx="minor">
-            <a:schemeClr val="lt1"/>
-          </a:fontRef>
-        </p:style>
-        <p:txBody>
-          <a:bodyPr rtlCol="0" anchor="ctr"/>
-          <a:lstStyle/>
-          <a:p>
-            <a:pPr algn="ctr"/>
-            <a:endParaRPr lang="en-US"/>
-          </a:p>
-        </p:txBody>
-      </p:sp>
-      <p:sp>
-        <p:nvSpPr>
-          <p:cNvPr id="19" name="Oval 18">
-            <a:extLst>
-              <a:ext uri="{FF2B5EF4-FFF2-40B4-BE49-F238E27FC236}">
-                <a16:creationId xmlns:a16="http://schemas.microsoft.com/office/drawing/2014/main" id="{13DD0607-7623-463D-886F-C29BCE47546F}"/>
-              </a:ext>
-            </a:extLst>
-          </p:cNvPr>
-          <p:cNvSpPr/>
-          <p:nvPr/>
-        </p:nvSpPr>
-        <p:spPr>
-          <a:xfrm>
-            <a:off x="3763010" y="1790814"/>
-            <a:ext cx="186152" cy="186152"/>
-          </a:xfrm>
-          <a:prstGeom prst="ellipse">
-            <a:avLst/>
-          </a:prstGeom>
-          <a:solidFill>
-            <a:schemeClr val="accent5"/>
-          </a:solidFill>
-        </p:spPr>
-        <p:style>
-          <a:lnRef idx="2">
-            <a:schemeClr val="accent1">
-              <a:shade val="15000"/>
-            </a:schemeClr>
-          </a:lnRef>
-          <a:fillRef idx="1">
-            <a:schemeClr val="accent1"/>
-          </a:fillRef>
-          <a:effectRef idx="0">
-            <a:schemeClr val="accent1"/>
-          </a:effectRef>
-          <a:fontRef idx="minor">
-            <a:schemeClr val="lt1"/>
-          </a:fontRef>
-        </p:style>
-        <p:txBody>
-          <a:bodyPr rtlCol="0" anchor="ctr"/>
-          <a:lstStyle/>
-          <a:p>
-            <a:pPr algn="ctr"/>
-            <a:endParaRPr lang="en-US"/>
-          </a:p>
-        </p:txBody>
-      </p:sp>
-      <p:sp>
-        <p:nvSpPr>
-          <p:cNvPr id="21" name="Oval 20">
-            <a:extLst>
-              <a:ext uri="{FF2B5EF4-FFF2-40B4-BE49-F238E27FC236}">
-                <a16:creationId xmlns:a16="http://schemas.microsoft.com/office/drawing/2014/main" id="{41C11561-2D55-3869-8396-AE2498E38A07}"/>
-              </a:ext>
-            </a:extLst>
-          </p:cNvPr>
-          <p:cNvSpPr/>
-          <p:nvPr/>
-        </p:nvSpPr>
-        <p:spPr>
-          <a:xfrm>
-            <a:off x="7176100" y="3621715"/>
-            <a:ext cx="1149703" cy="1082220"/>
-          </a:xfrm>
-          <a:prstGeom prst="ellipse">
-            <a:avLst/>
-          </a:prstGeom>
-          <a:solidFill>
-            <a:schemeClr val="accent6">
+            <a:schemeClr val="tx2">
+              <a:lumMod val="50000"/>
+              <a:lumOff val="50000"/>
               <a:alpha val="50000"/>
             </a:schemeClr>
           </a:solidFill>
@@ -4800,10 +4588,10 @@
       </p:sp>
       <p:sp>
         <p:nvSpPr>
-          <p:cNvPr id="22" name="Oval 21">
-            <a:extLst>
-              <a:ext uri="{FF2B5EF4-FFF2-40B4-BE49-F238E27FC236}">
-                <a16:creationId xmlns:a16="http://schemas.microsoft.com/office/drawing/2014/main" id="{48A6D37C-7395-9DEE-9E2F-4D2A5595EA01}"/>
+          <p:cNvPr id="23" name="Oval 22">
+            <a:extLst>
+              <a:ext uri="{FF2B5EF4-FFF2-40B4-BE49-F238E27FC236}">
+                <a16:creationId xmlns:a16="http://schemas.microsoft.com/office/drawing/2014/main" id="{031FD985-0CA1-B6A6-87B2-A5FFEE17CCDD}"/>
               </a:ext>
             </a:extLst>
           </p:cNvPr>
@@ -4811,15 +4599,16 @@
           <p:nvPr/>
         </p:nvSpPr>
         <p:spPr>
-          <a:xfrm rot="19373668">
-            <a:off x="6405141" y="2486079"/>
-            <a:ext cx="2179762" cy="1149459"/>
+          <a:xfrm>
+            <a:off x="6475251" y="1447297"/>
+            <a:ext cx="1146303" cy="1069520"/>
           </a:xfrm>
           <a:prstGeom prst="ellipse">
             <a:avLst/>
           </a:prstGeom>
           <a:solidFill>
-            <a:schemeClr val="accent1">
+            <a:schemeClr val="accent5">
+              <a:lumMod val="75000"/>
               <a:alpha val="50000"/>
             </a:schemeClr>
           </a:solidFill>
@@ -4852,58 +4641,6 @@
       </p:sp>
       <p:sp>
         <p:nvSpPr>
-          <p:cNvPr id="23" name="Oval 22">
-            <a:extLst>
-              <a:ext uri="{FF2B5EF4-FFF2-40B4-BE49-F238E27FC236}">
-                <a16:creationId xmlns:a16="http://schemas.microsoft.com/office/drawing/2014/main" id="{031FD985-0CA1-B6A6-87B2-A5FFEE17CCDD}"/>
-              </a:ext>
-            </a:extLst>
-          </p:cNvPr>
-          <p:cNvSpPr/>
-          <p:nvPr/>
-        </p:nvSpPr>
-        <p:spPr>
-          <a:xfrm>
-            <a:off x="6475251" y="1447297"/>
-            <a:ext cx="1146303" cy="1069520"/>
-          </a:xfrm>
-          <a:prstGeom prst="ellipse">
-            <a:avLst/>
-          </a:prstGeom>
-          <a:solidFill>
-            <a:schemeClr val="accent5">
-              <a:alpha val="50000"/>
-            </a:schemeClr>
-          </a:solidFill>
-          <a:ln>
-            <a:noFill/>
-          </a:ln>
-        </p:spPr>
-        <p:style>
-          <a:lnRef idx="0">
-            <a:scrgbClr r="0" g="0" b="0"/>
-          </a:lnRef>
-          <a:fillRef idx="0">
-            <a:scrgbClr r="0" g="0" b="0"/>
-          </a:fillRef>
-          <a:effectRef idx="0">
-            <a:scrgbClr r="0" g="0" b="0"/>
-          </a:effectRef>
-          <a:fontRef idx="minor">
-            <a:schemeClr val="lt1"/>
-          </a:fontRef>
-        </p:style>
-        <p:txBody>
-          <a:bodyPr rtlCol="0" anchor="ctr"/>
-          <a:lstStyle/>
-          <a:p>
-            <a:pPr algn="ctr"/>
-            <a:endParaRPr lang="en-US"/>
-          </a:p>
-        </p:txBody>
-      </p:sp>
-      <p:sp>
-        <p:nvSpPr>
           <p:cNvPr id="24" name="Oval 23">
             <a:extLst>
               <a:ext uri="{FF2B5EF4-FFF2-40B4-BE49-F238E27FC236}">
@@ -4922,100 +4659,11 @@
           <a:prstGeom prst="ellipse">
             <a:avLst/>
           </a:prstGeom>
-        </p:spPr>
-        <p:style>
-          <a:lnRef idx="2">
-            <a:schemeClr val="accent1">
-              <a:shade val="15000"/>
+          <a:solidFill>
+            <a:schemeClr val="tx2">
+              <a:lumMod val="50000"/>
+              <a:lumOff val="50000"/>
             </a:schemeClr>
-          </a:lnRef>
-          <a:fillRef idx="1">
-            <a:schemeClr val="accent1"/>
-          </a:fillRef>
-          <a:effectRef idx="0">
-            <a:schemeClr val="accent1"/>
-          </a:effectRef>
-          <a:fontRef idx="minor">
-            <a:schemeClr val="lt1"/>
-          </a:fontRef>
-        </p:style>
-        <p:txBody>
-          <a:bodyPr rtlCol="0" anchor="ctr"/>
-          <a:lstStyle/>
-          <a:p>
-            <a:pPr algn="ctr"/>
-            <a:endParaRPr lang="en-US"/>
-          </a:p>
-        </p:txBody>
-      </p:sp>
-      <p:sp>
-        <p:nvSpPr>
-          <p:cNvPr id="26" name="Oval 25">
-            <a:extLst>
-              <a:ext uri="{FF2B5EF4-FFF2-40B4-BE49-F238E27FC236}">
-                <a16:creationId xmlns:a16="http://schemas.microsoft.com/office/drawing/2014/main" id="{70CA199E-7A19-5A87-4D8E-19EF0CECBC45}"/>
-              </a:ext>
-            </a:extLst>
-          </p:cNvPr>
-          <p:cNvSpPr/>
-          <p:nvPr/>
-        </p:nvSpPr>
-        <p:spPr>
-          <a:xfrm>
-            <a:off x="7453874" y="3054074"/>
-            <a:ext cx="186152" cy="186152"/>
-          </a:xfrm>
-          <a:prstGeom prst="ellipse">
-            <a:avLst/>
-          </a:prstGeom>
-        </p:spPr>
-        <p:style>
-          <a:lnRef idx="2">
-            <a:schemeClr val="accent1">
-              <a:shade val="15000"/>
-            </a:schemeClr>
-          </a:lnRef>
-          <a:fillRef idx="1">
-            <a:schemeClr val="accent1"/>
-          </a:fillRef>
-          <a:effectRef idx="0">
-            <a:schemeClr val="accent1"/>
-          </a:effectRef>
-          <a:fontRef idx="minor">
-            <a:schemeClr val="lt1"/>
-          </a:fontRef>
-        </p:style>
-        <p:txBody>
-          <a:bodyPr rtlCol="0" anchor="ctr"/>
-          <a:lstStyle/>
-          <a:p>
-            <a:pPr algn="ctr"/>
-            <a:endParaRPr lang="en-US"/>
-          </a:p>
-        </p:txBody>
-      </p:sp>
-      <p:sp>
-        <p:nvSpPr>
-          <p:cNvPr id="27" name="Oval 26">
-            <a:extLst>
-              <a:ext uri="{FF2B5EF4-FFF2-40B4-BE49-F238E27FC236}">
-                <a16:creationId xmlns:a16="http://schemas.microsoft.com/office/drawing/2014/main" id="{534D22FE-4395-0605-384A-2521E426C89B}"/>
-              </a:ext>
-            </a:extLst>
-          </p:cNvPr>
-          <p:cNvSpPr/>
-          <p:nvPr/>
-        </p:nvSpPr>
-        <p:spPr>
-          <a:xfrm>
-            <a:off x="7272464" y="2806015"/>
-            <a:ext cx="186152" cy="186152"/>
-          </a:xfrm>
-          <a:prstGeom prst="ellipse">
-            <a:avLst/>
-          </a:prstGeom>
-          <a:solidFill>
-            <a:schemeClr val="accent2"/>
           </a:solidFill>
         </p:spPr>
         <p:style>
@@ -5045,10 +4693,10 @@
       </p:sp>
       <p:sp>
         <p:nvSpPr>
-          <p:cNvPr id="28" name="Oval 27">
-            <a:extLst>
-              <a:ext uri="{FF2B5EF4-FFF2-40B4-BE49-F238E27FC236}">
-                <a16:creationId xmlns:a16="http://schemas.microsoft.com/office/drawing/2014/main" id="{EDE2C359-800F-D116-1058-D6523A766D06}"/>
+          <p:cNvPr id="26" name="Oval 25">
+            <a:extLst>
+              <a:ext uri="{FF2B5EF4-FFF2-40B4-BE49-F238E27FC236}">
+                <a16:creationId xmlns:a16="http://schemas.microsoft.com/office/drawing/2014/main" id="{70CA199E-7A19-5A87-4D8E-19EF0CECBC45}"/>
               </a:ext>
             </a:extLst>
           </p:cNvPr>
@@ -5057,14 +4705,17 @@
         </p:nvSpPr>
         <p:spPr>
           <a:xfrm>
-            <a:off x="7834480" y="3105368"/>
+            <a:off x="7453874" y="3054074"/>
             <a:ext cx="186152" cy="186152"/>
           </a:xfrm>
           <a:prstGeom prst="ellipse">
             <a:avLst/>
           </a:prstGeom>
           <a:solidFill>
-            <a:schemeClr val="accent2"/>
+            <a:schemeClr val="tx2">
+              <a:lumMod val="50000"/>
+              <a:lumOff val="50000"/>
+            </a:schemeClr>
           </a:solidFill>
         </p:spPr>
         <p:style>
@@ -5092,12 +4743,321 @@
           </a:p>
         </p:txBody>
       </p:sp>
-      <p:sp>
-        <p:nvSpPr>
-          <p:cNvPr id="29" name="Oval 28">
-            <a:extLst>
-              <a:ext uri="{FF2B5EF4-FFF2-40B4-BE49-F238E27FC236}">
-                <a16:creationId xmlns:a16="http://schemas.microsoft.com/office/drawing/2014/main" id="{B45B82E7-4618-EAAE-EDBB-1EE872BC6803}"/>
+      <p:grpSp>
+        <p:nvGrpSpPr>
+          <p:cNvPr id="30" name="Group 29">
+            <a:extLst>
+              <a:ext uri="{FF2B5EF4-FFF2-40B4-BE49-F238E27FC236}">
+                <a16:creationId xmlns:a16="http://schemas.microsoft.com/office/drawing/2014/main" id="{DCF1B2D6-4AF3-917C-1518-E519556CEFA2}"/>
+              </a:ext>
+            </a:extLst>
+          </p:cNvPr>
+          <p:cNvGrpSpPr/>
+          <p:nvPr/>
+        </p:nvGrpSpPr>
+        <p:grpSpPr>
+          <a:xfrm>
+            <a:off x="3753134" y="2525209"/>
+            <a:ext cx="4438089" cy="766311"/>
+            <a:chOff x="3753134" y="2525209"/>
+            <a:chExt cx="4438089" cy="766311"/>
+          </a:xfrm>
+          <a:solidFill>
+            <a:schemeClr val="accent2">
+              <a:lumMod val="20000"/>
+              <a:lumOff val="80000"/>
+            </a:schemeClr>
+          </a:solidFill>
+        </p:grpSpPr>
+        <p:sp>
+          <p:nvSpPr>
+            <p:cNvPr id="8" name="Oval 7">
+              <a:extLst>
+                <a:ext uri="{FF2B5EF4-FFF2-40B4-BE49-F238E27FC236}">
+                  <a16:creationId xmlns:a16="http://schemas.microsoft.com/office/drawing/2014/main" id="{761E5F56-5DA7-6DA8-98EF-1EA895E621ED}"/>
+                </a:ext>
+              </a:extLst>
+            </p:cNvPr>
+            <p:cNvSpPr/>
+            <p:nvPr/>
+          </p:nvSpPr>
+          <p:spPr>
+            <a:xfrm>
+              <a:off x="3753134" y="2806015"/>
+              <a:ext cx="186152" cy="186152"/>
+            </a:xfrm>
+            <a:prstGeom prst="ellipse">
+              <a:avLst/>
+            </a:prstGeom>
+            <a:grpFill/>
+          </p:spPr>
+          <p:style>
+            <a:lnRef idx="2">
+              <a:schemeClr val="accent1">
+                <a:shade val="15000"/>
+              </a:schemeClr>
+            </a:lnRef>
+            <a:fillRef idx="1">
+              <a:schemeClr val="accent1"/>
+            </a:fillRef>
+            <a:effectRef idx="0">
+              <a:schemeClr val="accent1"/>
+            </a:effectRef>
+            <a:fontRef idx="minor">
+              <a:schemeClr val="lt1"/>
+            </a:fontRef>
+          </p:style>
+          <p:txBody>
+            <a:bodyPr rtlCol="0" anchor="ctr"/>
+            <a:lstStyle/>
+            <a:p>
+              <a:pPr algn="ctr"/>
+              <a:endParaRPr lang="en-US"/>
+            </a:p>
+          </p:txBody>
+        </p:sp>
+        <p:sp>
+          <p:nvSpPr>
+            <p:cNvPr id="9" name="Oval 8">
+              <a:extLst>
+                <a:ext uri="{FF2B5EF4-FFF2-40B4-BE49-F238E27FC236}">
+                  <a16:creationId xmlns:a16="http://schemas.microsoft.com/office/drawing/2014/main" id="{EFEC3851-6562-9ED7-80E2-6A487A8BEEBF}"/>
+                </a:ext>
+              </a:extLst>
+            </p:cNvPr>
+            <p:cNvSpPr/>
+            <p:nvPr/>
+          </p:nvSpPr>
+          <p:spPr>
+            <a:xfrm>
+              <a:off x="4315150" y="3105368"/>
+              <a:ext cx="186152" cy="186152"/>
+            </a:xfrm>
+            <a:prstGeom prst="ellipse">
+              <a:avLst/>
+            </a:prstGeom>
+            <a:grpFill/>
+          </p:spPr>
+          <p:style>
+            <a:lnRef idx="2">
+              <a:schemeClr val="accent1">
+                <a:shade val="15000"/>
+              </a:schemeClr>
+            </a:lnRef>
+            <a:fillRef idx="1">
+              <a:schemeClr val="accent1"/>
+            </a:fillRef>
+            <a:effectRef idx="0">
+              <a:schemeClr val="accent1"/>
+            </a:effectRef>
+            <a:fontRef idx="minor">
+              <a:schemeClr val="lt1"/>
+            </a:fontRef>
+          </p:style>
+          <p:txBody>
+            <a:bodyPr rtlCol="0" anchor="ctr"/>
+            <a:lstStyle/>
+            <a:p>
+              <a:pPr algn="ctr"/>
+              <a:endParaRPr lang="en-US"/>
+            </a:p>
+          </p:txBody>
+        </p:sp>
+        <p:sp>
+          <p:nvSpPr>
+            <p:cNvPr id="11" name="Oval 10">
+              <a:extLst>
+                <a:ext uri="{FF2B5EF4-FFF2-40B4-BE49-F238E27FC236}">
+                  <a16:creationId xmlns:a16="http://schemas.microsoft.com/office/drawing/2014/main" id="{BA81717B-51CE-AED2-8B66-A0C0B1ED5DA7}"/>
+                </a:ext>
+              </a:extLst>
+            </p:cNvPr>
+            <p:cNvSpPr/>
+            <p:nvPr/>
+          </p:nvSpPr>
+          <p:spPr>
+            <a:xfrm>
+              <a:off x="4485741" y="2525209"/>
+              <a:ext cx="186152" cy="186152"/>
+            </a:xfrm>
+            <a:prstGeom prst="ellipse">
+              <a:avLst/>
+            </a:prstGeom>
+            <a:grpFill/>
+          </p:spPr>
+          <p:style>
+            <a:lnRef idx="2">
+              <a:schemeClr val="accent1">
+                <a:shade val="15000"/>
+              </a:schemeClr>
+            </a:lnRef>
+            <a:fillRef idx="1">
+              <a:schemeClr val="accent1"/>
+            </a:fillRef>
+            <a:effectRef idx="0">
+              <a:schemeClr val="accent1"/>
+            </a:effectRef>
+            <a:fontRef idx="minor">
+              <a:schemeClr val="lt1"/>
+            </a:fontRef>
+          </p:style>
+          <p:txBody>
+            <a:bodyPr rtlCol="0" anchor="ctr"/>
+            <a:lstStyle/>
+            <a:p>
+              <a:pPr algn="ctr"/>
+              <a:endParaRPr lang="en-US"/>
+            </a:p>
+          </p:txBody>
+        </p:sp>
+        <p:sp>
+          <p:nvSpPr>
+            <p:cNvPr id="27" name="Oval 26">
+              <a:extLst>
+                <a:ext uri="{FF2B5EF4-FFF2-40B4-BE49-F238E27FC236}">
+                  <a16:creationId xmlns:a16="http://schemas.microsoft.com/office/drawing/2014/main" id="{534D22FE-4395-0605-384A-2521E426C89B}"/>
+                </a:ext>
+              </a:extLst>
+            </p:cNvPr>
+            <p:cNvSpPr/>
+            <p:nvPr/>
+          </p:nvSpPr>
+          <p:spPr>
+            <a:xfrm>
+              <a:off x="7272464" y="2806015"/>
+              <a:ext cx="186152" cy="186152"/>
+            </a:xfrm>
+            <a:prstGeom prst="ellipse">
+              <a:avLst/>
+            </a:prstGeom>
+            <a:grpFill/>
+          </p:spPr>
+          <p:style>
+            <a:lnRef idx="2">
+              <a:schemeClr val="accent1">
+                <a:shade val="15000"/>
+              </a:schemeClr>
+            </a:lnRef>
+            <a:fillRef idx="1">
+              <a:schemeClr val="accent1"/>
+            </a:fillRef>
+            <a:effectRef idx="0">
+              <a:schemeClr val="accent1"/>
+            </a:effectRef>
+            <a:fontRef idx="minor">
+              <a:schemeClr val="lt1"/>
+            </a:fontRef>
+          </p:style>
+          <p:txBody>
+            <a:bodyPr rtlCol="0" anchor="ctr"/>
+            <a:lstStyle/>
+            <a:p>
+              <a:pPr algn="ctr"/>
+              <a:endParaRPr lang="en-US"/>
+            </a:p>
+          </p:txBody>
+        </p:sp>
+        <p:sp>
+          <p:nvSpPr>
+            <p:cNvPr id="28" name="Oval 27">
+              <a:extLst>
+                <a:ext uri="{FF2B5EF4-FFF2-40B4-BE49-F238E27FC236}">
+                  <a16:creationId xmlns:a16="http://schemas.microsoft.com/office/drawing/2014/main" id="{EDE2C359-800F-D116-1058-D6523A766D06}"/>
+                </a:ext>
+              </a:extLst>
+            </p:cNvPr>
+            <p:cNvSpPr/>
+            <p:nvPr/>
+          </p:nvSpPr>
+          <p:spPr>
+            <a:xfrm>
+              <a:off x="7834480" y="3105368"/>
+              <a:ext cx="186152" cy="186152"/>
+            </a:xfrm>
+            <a:prstGeom prst="ellipse">
+              <a:avLst/>
+            </a:prstGeom>
+            <a:grpFill/>
+          </p:spPr>
+          <p:style>
+            <a:lnRef idx="2">
+              <a:schemeClr val="accent1">
+                <a:shade val="15000"/>
+              </a:schemeClr>
+            </a:lnRef>
+            <a:fillRef idx="1">
+              <a:schemeClr val="accent1"/>
+            </a:fillRef>
+            <a:effectRef idx="0">
+              <a:schemeClr val="accent1"/>
+            </a:effectRef>
+            <a:fontRef idx="minor">
+              <a:schemeClr val="lt1"/>
+            </a:fontRef>
+          </p:style>
+          <p:txBody>
+            <a:bodyPr rtlCol="0" anchor="ctr"/>
+            <a:lstStyle/>
+            <a:p>
+              <a:pPr algn="ctr"/>
+              <a:endParaRPr lang="en-US"/>
+            </a:p>
+          </p:txBody>
+        </p:sp>
+        <p:sp>
+          <p:nvSpPr>
+            <p:cNvPr id="29" name="Oval 28">
+              <a:extLst>
+                <a:ext uri="{FF2B5EF4-FFF2-40B4-BE49-F238E27FC236}">
+                  <a16:creationId xmlns:a16="http://schemas.microsoft.com/office/drawing/2014/main" id="{B45B82E7-4618-EAAE-EDBB-1EE872BC6803}"/>
+                </a:ext>
+              </a:extLst>
+            </p:cNvPr>
+            <p:cNvSpPr/>
+            <p:nvPr/>
+          </p:nvSpPr>
+          <p:spPr>
+            <a:xfrm>
+              <a:off x="8005071" y="2525209"/>
+              <a:ext cx="186152" cy="186152"/>
+            </a:xfrm>
+            <a:prstGeom prst="ellipse">
+              <a:avLst/>
+            </a:prstGeom>
+            <a:grpFill/>
+          </p:spPr>
+          <p:style>
+            <a:lnRef idx="2">
+              <a:schemeClr val="accent1">
+                <a:shade val="15000"/>
+              </a:schemeClr>
+            </a:lnRef>
+            <a:fillRef idx="1">
+              <a:schemeClr val="accent1"/>
+            </a:fillRef>
+            <a:effectRef idx="0">
+              <a:schemeClr val="accent1"/>
+            </a:effectRef>
+            <a:fontRef idx="minor">
+              <a:schemeClr val="lt1"/>
+            </a:fontRef>
+          </p:style>
+          <p:txBody>
+            <a:bodyPr rtlCol="0" anchor="ctr"/>
+            <a:lstStyle/>
+            <a:p>
+              <a:pPr algn="ctr"/>
+              <a:endParaRPr lang="en-US"/>
+            </a:p>
+          </p:txBody>
+        </p:sp>
+      </p:grpSp>
+      <p:sp>
+        <p:nvSpPr>
+          <p:cNvPr id="31" name="Oval 30">
+            <a:extLst>
+              <a:ext uri="{FF2B5EF4-FFF2-40B4-BE49-F238E27FC236}">
+                <a16:creationId xmlns:a16="http://schemas.microsoft.com/office/drawing/2014/main" id="{E80C2860-3CAC-5F07-2B65-C6134D703972}"/>
               </a:ext>
             </a:extLst>
           </p:cNvPr>
@@ -5106,14 +5066,17 @@
         </p:nvSpPr>
         <p:spPr>
           <a:xfrm>
-            <a:off x="8005071" y="2525209"/>
+            <a:off x="7154505" y="3538585"/>
             <a:ext cx="186152" cy="186152"/>
           </a:xfrm>
           <a:prstGeom prst="ellipse">
             <a:avLst/>
           </a:prstGeom>
           <a:solidFill>
-            <a:schemeClr val="accent2"/>
+            <a:schemeClr val="tx2">
+              <a:lumMod val="50000"/>
+              <a:lumOff val="50000"/>
+            </a:schemeClr>
           </a:solidFill>
         </p:spPr>
         <p:style>
@@ -5141,12 +5104,320 @@
           </a:p>
         </p:txBody>
       </p:sp>
-      <p:sp>
-        <p:nvSpPr>
-          <p:cNvPr id="31" name="Oval 30">
-            <a:extLst>
-              <a:ext uri="{FF2B5EF4-FFF2-40B4-BE49-F238E27FC236}">
-                <a16:creationId xmlns:a16="http://schemas.microsoft.com/office/drawing/2014/main" id="{E80C2860-3CAC-5F07-2B65-C6134D703972}"/>
+      <p:grpSp>
+        <p:nvGrpSpPr>
+          <p:cNvPr id="25" name="Group 24">
+            <a:extLst>
+              <a:ext uri="{FF2B5EF4-FFF2-40B4-BE49-F238E27FC236}">
+                <a16:creationId xmlns:a16="http://schemas.microsoft.com/office/drawing/2014/main" id="{B1F1DAB8-A266-3B15-EAA7-6411F7B3B709}"/>
+              </a:ext>
+            </a:extLst>
+          </p:cNvPr>
+          <p:cNvGrpSpPr/>
+          <p:nvPr/>
+        </p:nvGrpSpPr>
+        <p:grpSpPr>
+          <a:xfrm>
+            <a:off x="3858175" y="3805009"/>
+            <a:ext cx="4305202" cy="635615"/>
+            <a:chOff x="3858175" y="3805009"/>
+            <a:chExt cx="4305202" cy="635615"/>
+          </a:xfrm>
+          <a:solidFill>
+            <a:schemeClr val="accent1">
+              <a:lumMod val="50000"/>
+            </a:schemeClr>
+          </a:solidFill>
+        </p:grpSpPr>
+        <p:sp>
+          <p:nvSpPr>
+            <p:cNvPr id="2" name="Oval 1">
+              <a:extLst>
+                <a:ext uri="{FF2B5EF4-FFF2-40B4-BE49-F238E27FC236}">
+                  <a16:creationId xmlns:a16="http://schemas.microsoft.com/office/drawing/2014/main" id="{15BA07E4-A07B-08EE-7ED7-EAFCCB142A6D}"/>
+                </a:ext>
+              </a:extLst>
+            </p:cNvPr>
+            <p:cNvSpPr/>
+            <p:nvPr/>
+          </p:nvSpPr>
+          <p:spPr>
+            <a:xfrm>
+              <a:off x="4018643" y="3805009"/>
+              <a:ext cx="186152" cy="186152"/>
+            </a:xfrm>
+            <a:prstGeom prst="ellipse">
+              <a:avLst/>
+            </a:prstGeom>
+            <a:grpFill/>
+          </p:spPr>
+          <p:style>
+            <a:lnRef idx="2">
+              <a:schemeClr val="accent1">
+                <a:shade val="15000"/>
+              </a:schemeClr>
+            </a:lnRef>
+            <a:fillRef idx="1">
+              <a:schemeClr val="accent1"/>
+            </a:fillRef>
+            <a:effectRef idx="0">
+              <a:schemeClr val="accent1"/>
+            </a:effectRef>
+            <a:fontRef idx="minor">
+              <a:schemeClr val="lt1"/>
+            </a:fontRef>
+          </p:style>
+          <p:txBody>
+            <a:bodyPr rtlCol="0" anchor="ctr"/>
+            <a:lstStyle/>
+            <a:p>
+              <a:pPr algn="ctr"/>
+              <a:endParaRPr lang="en-US"/>
+            </a:p>
+          </p:txBody>
+        </p:sp>
+        <p:sp>
+          <p:nvSpPr>
+            <p:cNvPr id="3" name="Oval 2">
+              <a:extLst>
+                <a:ext uri="{FF2B5EF4-FFF2-40B4-BE49-F238E27FC236}">
+                  <a16:creationId xmlns:a16="http://schemas.microsoft.com/office/drawing/2014/main" id="{93EB58B7-2CC0-0EF9-2213-87A183DC6D92}"/>
+                </a:ext>
+              </a:extLst>
+            </p:cNvPr>
+            <p:cNvSpPr/>
+            <p:nvPr/>
+          </p:nvSpPr>
+          <p:spPr>
+            <a:xfrm>
+              <a:off x="4457895" y="4179592"/>
+              <a:ext cx="186152" cy="186152"/>
+            </a:xfrm>
+            <a:prstGeom prst="ellipse">
+              <a:avLst/>
+            </a:prstGeom>
+            <a:grpFill/>
+          </p:spPr>
+          <p:style>
+            <a:lnRef idx="2">
+              <a:schemeClr val="accent1">
+                <a:shade val="15000"/>
+              </a:schemeClr>
+            </a:lnRef>
+            <a:fillRef idx="1">
+              <a:schemeClr val="accent1"/>
+            </a:fillRef>
+            <a:effectRef idx="0">
+              <a:schemeClr val="accent1"/>
+            </a:effectRef>
+            <a:fontRef idx="minor">
+              <a:schemeClr val="lt1"/>
+            </a:fontRef>
+          </p:style>
+          <p:txBody>
+            <a:bodyPr rtlCol="0" anchor="ctr"/>
+            <a:lstStyle/>
+            <a:p>
+              <a:pPr algn="ctr"/>
+              <a:endParaRPr lang="en-US"/>
+            </a:p>
+          </p:txBody>
+        </p:sp>
+        <p:sp>
+          <p:nvSpPr>
+            <p:cNvPr id="7" name="Oval 6">
+              <a:extLst>
+                <a:ext uri="{FF2B5EF4-FFF2-40B4-BE49-F238E27FC236}">
+                  <a16:creationId xmlns:a16="http://schemas.microsoft.com/office/drawing/2014/main" id="{E844F5BA-A85B-D013-685F-85C3894FFF0B}"/>
+                </a:ext>
+              </a:extLst>
+            </p:cNvPr>
+            <p:cNvSpPr/>
+            <p:nvPr/>
+          </p:nvSpPr>
+          <p:spPr>
+            <a:xfrm>
+              <a:off x="3858175" y="4254472"/>
+              <a:ext cx="186152" cy="186152"/>
+            </a:xfrm>
+            <a:prstGeom prst="ellipse">
+              <a:avLst/>
+            </a:prstGeom>
+            <a:grpFill/>
+          </p:spPr>
+          <p:style>
+            <a:lnRef idx="2">
+              <a:schemeClr val="accent1">
+                <a:shade val="15000"/>
+              </a:schemeClr>
+            </a:lnRef>
+            <a:fillRef idx="1">
+              <a:schemeClr val="accent1"/>
+            </a:fillRef>
+            <a:effectRef idx="0">
+              <a:schemeClr val="accent1"/>
+            </a:effectRef>
+            <a:fontRef idx="minor">
+              <a:schemeClr val="lt1"/>
+            </a:fontRef>
+          </p:style>
+          <p:txBody>
+            <a:bodyPr rtlCol="0" anchor="ctr"/>
+            <a:lstStyle/>
+            <a:p>
+              <a:pPr algn="ctr"/>
+              <a:endParaRPr lang="en-US"/>
+            </a:p>
+          </p:txBody>
+        </p:sp>
+        <p:sp>
+          <p:nvSpPr>
+            <p:cNvPr id="33" name="Oval 32">
+              <a:extLst>
+                <a:ext uri="{FF2B5EF4-FFF2-40B4-BE49-F238E27FC236}">
+                  <a16:creationId xmlns:a16="http://schemas.microsoft.com/office/drawing/2014/main" id="{DCCE974A-107B-EE8F-9C53-C476D2377F76}"/>
+                </a:ext>
+              </a:extLst>
+            </p:cNvPr>
+            <p:cNvSpPr/>
+            <p:nvPr/>
+          </p:nvSpPr>
+          <p:spPr>
+            <a:xfrm>
+              <a:off x="7537973" y="3805009"/>
+              <a:ext cx="186152" cy="186152"/>
+            </a:xfrm>
+            <a:prstGeom prst="ellipse">
+              <a:avLst/>
+            </a:prstGeom>
+            <a:grpFill/>
+          </p:spPr>
+          <p:style>
+            <a:lnRef idx="2">
+              <a:schemeClr val="accent1">
+                <a:shade val="15000"/>
+              </a:schemeClr>
+            </a:lnRef>
+            <a:fillRef idx="1">
+              <a:schemeClr val="accent1"/>
+            </a:fillRef>
+            <a:effectRef idx="0">
+              <a:schemeClr val="accent1"/>
+            </a:effectRef>
+            <a:fontRef idx="minor">
+              <a:schemeClr val="lt1"/>
+            </a:fontRef>
+          </p:style>
+          <p:txBody>
+            <a:bodyPr rtlCol="0" anchor="ctr"/>
+            <a:lstStyle/>
+            <a:p>
+              <a:pPr algn="ctr"/>
+              <a:endParaRPr lang="en-US"/>
+            </a:p>
+          </p:txBody>
+        </p:sp>
+        <p:sp>
+          <p:nvSpPr>
+            <p:cNvPr id="34" name="Oval 33">
+              <a:extLst>
+                <a:ext uri="{FF2B5EF4-FFF2-40B4-BE49-F238E27FC236}">
+                  <a16:creationId xmlns:a16="http://schemas.microsoft.com/office/drawing/2014/main" id="{F4E2565F-495B-2804-8F0F-66680D76D5E6}"/>
+                </a:ext>
+              </a:extLst>
+            </p:cNvPr>
+            <p:cNvSpPr/>
+            <p:nvPr/>
+          </p:nvSpPr>
+          <p:spPr>
+            <a:xfrm>
+              <a:off x="7977225" y="4179592"/>
+              <a:ext cx="186152" cy="186152"/>
+            </a:xfrm>
+            <a:prstGeom prst="ellipse">
+              <a:avLst/>
+            </a:prstGeom>
+            <a:grpFill/>
+          </p:spPr>
+          <p:style>
+            <a:lnRef idx="2">
+              <a:schemeClr val="accent1">
+                <a:shade val="15000"/>
+              </a:schemeClr>
+            </a:lnRef>
+            <a:fillRef idx="1">
+              <a:schemeClr val="accent1"/>
+            </a:fillRef>
+            <a:effectRef idx="0">
+              <a:schemeClr val="accent1"/>
+            </a:effectRef>
+            <a:fontRef idx="minor">
+              <a:schemeClr val="lt1"/>
+            </a:fontRef>
+          </p:style>
+          <p:txBody>
+            <a:bodyPr rtlCol="0" anchor="ctr"/>
+            <a:lstStyle/>
+            <a:p>
+              <a:pPr algn="ctr"/>
+              <a:endParaRPr lang="en-US"/>
+            </a:p>
+          </p:txBody>
+        </p:sp>
+        <p:sp>
+          <p:nvSpPr>
+            <p:cNvPr id="35" name="Oval 34">
+              <a:extLst>
+                <a:ext uri="{FF2B5EF4-FFF2-40B4-BE49-F238E27FC236}">
+                  <a16:creationId xmlns:a16="http://schemas.microsoft.com/office/drawing/2014/main" id="{A1D2D77F-62D4-4C21-6258-3F266FE0BAA3}"/>
+                </a:ext>
+              </a:extLst>
+            </p:cNvPr>
+            <p:cNvSpPr/>
+            <p:nvPr/>
+          </p:nvSpPr>
+          <p:spPr>
+            <a:xfrm>
+              <a:off x="7377505" y="4254472"/>
+              <a:ext cx="186152" cy="186152"/>
+            </a:xfrm>
+            <a:prstGeom prst="ellipse">
+              <a:avLst/>
+            </a:prstGeom>
+            <a:grpFill/>
+          </p:spPr>
+          <p:style>
+            <a:lnRef idx="2">
+              <a:schemeClr val="accent1">
+                <a:shade val="15000"/>
+              </a:schemeClr>
+            </a:lnRef>
+            <a:fillRef idx="1">
+              <a:schemeClr val="accent1"/>
+            </a:fillRef>
+            <a:effectRef idx="0">
+              <a:schemeClr val="accent1"/>
+            </a:effectRef>
+            <a:fontRef idx="minor">
+              <a:schemeClr val="lt1"/>
+            </a:fontRef>
+          </p:style>
+          <p:txBody>
+            <a:bodyPr rtlCol="0" anchor="ctr"/>
+            <a:lstStyle/>
+            <a:p>
+              <a:pPr algn="ctr"/>
+              <a:endParaRPr lang="en-US"/>
+            </a:p>
+          </p:txBody>
+        </p:sp>
+      </p:grpSp>
+      <p:sp>
+        <p:nvSpPr>
+          <p:cNvPr id="37" name="Oval 36">
+            <a:extLst>
+              <a:ext uri="{FF2B5EF4-FFF2-40B4-BE49-F238E27FC236}">
+                <a16:creationId xmlns:a16="http://schemas.microsoft.com/office/drawing/2014/main" id="{CB2029AF-88E9-A67F-52ED-902815AF812A}"/>
               </a:ext>
             </a:extLst>
           </p:cNvPr>
@@ -5155,14 +5426,16 @@
         </p:nvSpPr>
         <p:spPr>
           <a:xfrm>
-            <a:off x="7154505" y="3538585"/>
+            <a:off x="6591632" y="1753686"/>
             <a:ext cx="186152" cy="186152"/>
           </a:xfrm>
           <a:prstGeom prst="ellipse">
             <a:avLst/>
           </a:prstGeom>
           <a:solidFill>
-            <a:schemeClr val="accent1"/>
+            <a:schemeClr val="accent5">
+              <a:lumMod val="75000"/>
+            </a:schemeClr>
           </a:solidFill>
         </p:spPr>
         <p:style>
@@ -5192,10 +5465,10 @@
       </p:sp>
       <p:sp>
         <p:nvSpPr>
-          <p:cNvPr id="33" name="Oval 32">
-            <a:extLst>
-              <a:ext uri="{FF2B5EF4-FFF2-40B4-BE49-F238E27FC236}">
-                <a16:creationId xmlns:a16="http://schemas.microsoft.com/office/drawing/2014/main" id="{DCCE974A-107B-EE8F-9C53-C476D2377F76}"/>
+          <p:cNvPr id="38" name="Oval 37">
+            <a:extLst>
+              <a:ext uri="{FF2B5EF4-FFF2-40B4-BE49-F238E27FC236}">
+                <a16:creationId xmlns:a16="http://schemas.microsoft.com/office/drawing/2014/main" id="{F470A507-CB99-4C13-BFA5-5BE15A6FFAF0}"/>
               </a:ext>
             </a:extLst>
           </p:cNvPr>
@@ -5204,14 +5477,16 @@
         </p:nvSpPr>
         <p:spPr>
           <a:xfrm>
-            <a:off x="7537973" y="3805009"/>
+            <a:off x="6895943" y="2169190"/>
             <a:ext cx="186152" cy="186152"/>
           </a:xfrm>
           <a:prstGeom prst="ellipse">
             <a:avLst/>
           </a:prstGeom>
           <a:solidFill>
-            <a:schemeClr val="accent6"/>
+            <a:schemeClr val="accent5">
+              <a:lumMod val="75000"/>
+            </a:schemeClr>
           </a:solidFill>
         </p:spPr>
         <p:style>
@@ -5241,202 +5516,6 @@
       </p:sp>
       <p:sp>
         <p:nvSpPr>
-          <p:cNvPr id="34" name="Oval 33">
-            <a:extLst>
-              <a:ext uri="{FF2B5EF4-FFF2-40B4-BE49-F238E27FC236}">
-                <a16:creationId xmlns:a16="http://schemas.microsoft.com/office/drawing/2014/main" id="{F4E2565F-495B-2804-8F0F-66680D76D5E6}"/>
-              </a:ext>
-            </a:extLst>
-          </p:cNvPr>
-          <p:cNvSpPr/>
-          <p:nvPr/>
-        </p:nvSpPr>
-        <p:spPr>
-          <a:xfrm>
-            <a:off x="7977225" y="4179592"/>
-            <a:ext cx="186152" cy="186152"/>
-          </a:xfrm>
-          <a:prstGeom prst="ellipse">
-            <a:avLst/>
-          </a:prstGeom>
-          <a:solidFill>
-            <a:schemeClr val="accent6"/>
-          </a:solidFill>
-        </p:spPr>
-        <p:style>
-          <a:lnRef idx="2">
-            <a:schemeClr val="accent1">
-              <a:shade val="15000"/>
-            </a:schemeClr>
-          </a:lnRef>
-          <a:fillRef idx="1">
-            <a:schemeClr val="accent1"/>
-          </a:fillRef>
-          <a:effectRef idx="0">
-            <a:schemeClr val="accent1"/>
-          </a:effectRef>
-          <a:fontRef idx="minor">
-            <a:schemeClr val="lt1"/>
-          </a:fontRef>
-        </p:style>
-        <p:txBody>
-          <a:bodyPr rtlCol="0" anchor="ctr"/>
-          <a:lstStyle/>
-          <a:p>
-            <a:pPr algn="ctr"/>
-            <a:endParaRPr lang="en-US"/>
-          </a:p>
-        </p:txBody>
-      </p:sp>
-      <p:sp>
-        <p:nvSpPr>
-          <p:cNvPr id="35" name="Oval 34">
-            <a:extLst>
-              <a:ext uri="{FF2B5EF4-FFF2-40B4-BE49-F238E27FC236}">
-                <a16:creationId xmlns:a16="http://schemas.microsoft.com/office/drawing/2014/main" id="{A1D2D77F-62D4-4C21-6258-3F266FE0BAA3}"/>
-              </a:ext>
-            </a:extLst>
-          </p:cNvPr>
-          <p:cNvSpPr/>
-          <p:nvPr/>
-        </p:nvSpPr>
-        <p:spPr>
-          <a:xfrm>
-            <a:off x="7377505" y="4254472"/>
-            <a:ext cx="186152" cy="186152"/>
-          </a:xfrm>
-          <a:prstGeom prst="ellipse">
-            <a:avLst/>
-          </a:prstGeom>
-          <a:solidFill>
-            <a:schemeClr val="accent6"/>
-          </a:solidFill>
-        </p:spPr>
-        <p:style>
-          <a:lnRef idx="2">
-            <a:schemeClr val="accent1">
-              <a:shade val="15000"/>
-            </a:schemeClr>
-          </a:lnRef>
-          <a:fillRef idx="1">
-            <a:schemeClr val="accent1"/>
-          </a:fillRef>
-          <a:effectRef idx="0">
-            <a:schemeClr val="accent1"/>
-          </a:effectRef>
-          <a:fontRef idx="minor">
-            <a:schemeClr val="lt1"/>
-          </a:fontRef>
-        </p:style>
-        <p:txBody>
-          <a:bodyPr rtlCol="0" anchor="ctr"/>
-          <a:lstStyle/>
-          <a:p>
-            <a:pPr algn="ctr"/>
-            <a:endParaRPr lang="en-US"/>
-          </a:p>
-        </p:txBody>
-      </p:sp>
-      <p:sp>
-        <p:nvSpPr>
-          <p:cNvPr id="37" name="Oval 36">
-            <a:extLst>
-              <a:ext uri="{FF2B5EF4-FFF2-40B4-BE49-F238E27FC236}">
-                <a16:creationId xmlns:a16="http://schemas.microsoft.com/office/drawing/2014/main" id="{CB2029AF-88E9-A67F-52ED-902815AF812A}"/>
-              </a:ext>
-            </a:extLst>
-          </p:cNvPr>
-          <p:cNvSpPr/>
-          <p:nvPr/>
-        </p:nvSpPr>
-        <p:spPr>
-          <a:xfrm>
-            <a:off x="6591632" y="1753686"/>
-            <a:ext cx="186152" cy="186152"/>
-          </a:xfrm>
-          <a:prstGeom prst="ellipse">
-            <a:avLst/>
-          </a:prstGeom>
-          <a:solidFill>
-            <a:schemeClr val="accent5"/>
-          </a:solidFill>
-        </p:spPr>
-        <p:style>
-          <a:lnRef idx="2">
-            <a:schemeClr val="accent1">
-              <a:shade val="15000"/>
-            </a:schemeClr>
-          </a:lnRef>
-          <a:fillRef idx="1">
-            <a:schemeClr val="accent1"/>
-          </a:fillRef>
-          <a:effectRef idx="0">
-            <a:schemeClr val="accent1"/>
-          </a:effectRef>
-          <a:fontRef idx="minor">
-            <a:schemeClr val="lt1"/>
-          </a:fontRef>
-        </p:style>
-        <p:txBody>
-          <a:bodyPr rtlCol="0" anchor="ctr"/>
-          <a:lstStyle/>
-          <a:p>
-            <a:pPr algn="ctr"/>
-            <a:endParaRPr lang="en-US"/>
-          </a:p>
-        </p:txBody>
-      </p:sp>
-      <p:sp>
-        <p:nvSpPr>
-          <p:cNvPr id="38" name="Oval 37">
-            <a:extLst>
-              <a:ext uri="{FF2B5EF4-FFF2-40B4-BE49-F238E27FC236}">
-                <a16:creationId xmlns:a16="http://schemas.microsoft.com/office/drawing/2014/main" id="{F470A507-CB99-4C13-BFA5-5BE15A6FFAF0}"/>
-              </a:ext>
-            </a:extLst>
-          </p:cNvPr>
-          <p:cNvSpPr/>
-          <p:nvPr/>
-        </p:nvSpPr>
-        <p:spPr>
-          <a:xfrm>
-            <a:off x="6895943" y="2169190"/>
-            <a:ext cx="186152" cy="186152"/>
-          </a:xfrm>
-          <a:prstGeom prst="ellipse">
-            <a:avLst/>
-          </a:prstGeom>
-          <a:solidFill>
-            <a:schemeClr val="accent5"/>
-          </a:solidFill>
-        </p:spPr>
-        <p:style>
-          <a:lnRef idx="2">
-            <a:schemeClr val="accent1">
-              <a:shade val="15000"/>
-            </a:schemeClr>
-          </a:lnRef>
-          <a:fillRef idx="1">
-            <a:schemeClr val="accent1"/>
-          </a:fillRef>
-          <a:effectRef idx="0">
-            <a:schemeClr val="accent1"/>
-          </a:effectRef>
-          <a:fontRef idx="minor">
-            <a:schemeClr val="lt1"/>
-          </a:fontRef>
-        </p:style>
-        <p:txBody>
-          <a:bodyPr rtlCol="0" anchor="ctr"/>
-          <a:lstStyle/>
-          <a:p>
-            <a:pPr algn="ctr"/>
-            <a:endParaRPr lang="en-US"/>
-          </a:p>
-        </p:txBody>
-      </p:sp>
-      <p:sp>
-        <p:nvSpPr>
           <p:cNvPr id="39" name="Oval 38">
             <a:extLst>
               <a:ext uri="{FF2B5EF4-FFF2-40B4-BE49-F238E27FC236}">
@@ -5456,7 +5535,9 @@
             <a:avLst/>
           </a:prstGeom>
           <a:solidFill>
-            <a:schemeClr val="accent5"/>
+            <a:schemeClr val="accent5">
+              <a:lumMod val="75000"/>
+            </a:schemeClr>
           </a:solidFill>
         </p:spPr>
         <p:style>

--- a/Figures/MergeCluster/AD.pptx
+++ b/Figures/MergeCluster/AD.pptx
@@ -208,7 +208,7 @@
           <a:p>
             <a:fld id="{FE4DCF00-3990-0448-82D8-96AFC5DCA7B6}" type="datetimeFigureOut">
               <a:rPr lang="en-US" smtClean="0"/>
-              <a:t>2/29/24</a:t>
+              <a:t>3/5/24</a:t>
             </a:fld>
             <a:endParaRPr lang="en-US"/>
           </a:p>
@@ -706,7 +706,7 @@
           <a:p>
             <a:fld id="{A998DA84-98B5-DD46-882D-8C2847B204BE}" type="datetimeFigureOut">
               <a:rPr lang="en-US" smtClean="0"/>
-              <a:t>2/29/24</a:t>
+              <a:t>3/5/24</a:t>
             </a:fld>
             <a:endParaRPr lang="en-US"/>
           </a:p>
@@ -904,7 +904,7 @@
           <a:p>
             <a:fld id="{A998DA84-98B5-DD46-882D-8C2847B204BE}" type="datetimeFigureOut">
               <a:rPr lang="en-US" smtClean="0"/>
-              <a:t>2/29/24</a:t>
+              <a:t>3/5/24</a:t>
             </a:fld>
             <a:endParaRPr lang="en-US"/>
           </a:p>
@@ -1112,7 +1112,7 @@
           <a:p>
             <a:fld id="{A998DA84-98B5-DD46-882D-8C2847B204BE}" type="datetimeFigureOut">
               <a:rPr lang="en-US" smtClean="0"/>
-              <a:t>2/29/24</a:t>
+              <a:t>3/5/24</a:t>
             </a:fld>
             <a:endParaRPr lang="en-US"/>
           </a:p>
@@ -1310,7 +1310,7 @@
           <a:p>
             <a:fld id="{A998DA84-98B5-DD46-882D-8C2847B204BE}" type="datetimeFigureOut">
               <a:rPr lang="en-US" smtClean="0"/>
-              <a:t>2/29/24</a:t>
+              <a:t>3/5/24</a:t>
             </a:fld>
             <a:endParaRPr lang="en-US"/>
           </a:p>
@@ -1585,7 +1585,7 @@
           <a:p>
             <a:fld id="{A998DA84-98B5-DD46-882D-8C2847B204BE}" type="datetimeFigureOut">
               <a:rPr lang="en-US" smtClean="0"/>
-              <a:t>2/29/24</a:t>
+              <a:t>3/5/24</a:t>
             </a:fld>
             <a:endParaRPr lang="en-US"/>
           </a:p>
@@ -1850,7 +1850,7 @@
           <a:p>
             <a:fld id="{A998DA84-98B5-DD46-882D-8C2847B204BE}" type="datetimeFigureOut">
               <a:rPr lang="en-US" smtClean="0"/>
-              <a:t>2/29/24</a:t>
+              <a:t>3/5/24</a:t>
             </a:fld>
             <a:endParaRPr lang="en-US"/>
           </a:p>
@@ -2262,7 +2262,7 @@
           <a:p>
             <a:fld id="{A998DA84-98B5-DD46-882D-8C2847B204BE}" type="datetimeFigureOut">
               <a:rPr lang="en-US" smtClean="0"/>
-              <a:t>2/29/24</a:t>
+              <a:t>3/5/24</a:t>
             </a:fld>
             <a:endParaRPr lang="en-US"/>
           </a:p>
@@ -2403,7 +2403,7 @@
           <a:p>
             <a:fld id="{A998DA84-98B5-DD46-882D-8C2847B204BE}" type="datetimeFigureOut">
               <a:rPr lang="en-US" smtClean="0"/>
-              <a:t>2/29/24</a:t>
+              <a:t>3/5/24</a:t>
             </a:fld>
             <a:endParaRPr lang="en-US"/>
           </a:p>
@@ -2516,7 +2516,7 @@
           <a:p>
             <a:fld id="{A998DA84-98B5-DD46-882D-8C2847B204BE}" type="datetimeFigureOut">
               <a:rPr lang="en-US" smtClean="0"/>
-              <a:t>2/29/24</a:t>
+              <a:t>3/5/24</a:t>
             </a:fld>
             <a:endParaRPr lang="en-US"/>
           </a:p>
@@ -2827,7 +2827,7 @@
           <a:p>
             <a:fld id="{A998DA84-98B5-DD46-882D-8C2847B204BE}" type="datetimeFigureOut">
               <a:rPr lang="en-US" smtClean="0"/>
-              <a:t>2/29/24</a:t>
+              <a:t>3/5/24</a:t>
             </a:fld>
             <a:endParaRPr lang="en-US"/>
           </a:p>
@@ -3115,7 +3115,7 @@
           <a:p>
             <a:fld id="{A998DA84-98B5-DD46-882D-8C2847B204BE}" type="datetimeFigureOut">
               <a:rPr lang="en-US" smtClean="0"/>
-              <a:t>2/29/24</a:t>
+              <a:t>3/5/24</a:t>
             </a:fld>
             <a:endParaRPr lang="en-US"/>
           </a:p>
@@ -3356,7 +3356,7 @@
           <a:p>
             <a:fld id="{A998DA84-98B5-DD46-882D-8C2847B204BE}" type="datetimeFigureOut">
               <a:rPr lang="en-US" smtClean="0"/>
-              <a:t>2/29/24</a:t>
+              <a:t>3/5/24</a:t>
             </a:fld>
             <a:endParaRPr lang="en-US"/>
           </a:p>
@@ -4356,8 +4356,8 @@
         </p:nvSpPr>
         <p:spPr>
           <a:xfrm>
-            <a:off x="5272543" y="2361625"/>
-            <a:ext cx="759311" cy="461665"/>
+            <a:off x="5188657" y="2252768"/>
+            <a:ext cx="925266" cy="584775"/>
           </a:xfrm>
           <a:prstGeom prst="rect">
             <a:avLst/>
@@ -4372,7 +4372,7 @@
           <a:p>
             <a:pPr algn="ctr"/>
             <a:r>
-              <a:rPr lang="en-US" sz="1200" dirty="0"/>
+              <a:rPr lang="en-US" sz="1600" dirty="0"/>
               <a:t>Merge-Inliers</a:t>
             </a:r>
             <a:endParaRPr lang="en-US" sz="1200" baseline="-25000" dirty="0"/>
@@ -5579,8 +5579,8 @@
         </p:nvSpPr>
         <p:spPr>
           <a:xfrm>
-            <a:off x="3211472" y="4692019"/>
-            <a:ext cx="867048" cy="276999"/>
+            <a:off x="2753257" y="4410272"/>
+            <a:ext cx="867048" cy="584775"/>
           </a:xfrm>
           <a:prstGeom prst="rect">
             <a:avLst/>
@@ -5595,7 +5595,7 @@
           <a:p>
             <a:pPr algn="ctr"/>
             <a:r>
-              <a:rPr lang="en-US" sz="1200" dirty="0"/>
+              <a:rPr lang="en-US" sz="1600" dirty="0"/>
               <a:t>1/3 Points</a:t>
             </a:r>
           </a:p>
@@ -5615,8 +5615,8 @@
         </p:nvSpPr>
         <p:spPr>
           <a:xfrm>
-            <a:off x="4454702" y="2053939"/>
-            <a:ext cx="867048" cy="276999"/>
+            <a:off x="4475789" y="1652107"/>
+            <a:ext cx="867048" cy="584775"/>
           </a:xfrm>
           <a:prstGeom prst="rect">
             <a:avLst/>
@@ -5631,7 +5631,7 @@
           <a:p>
             <a:pPr algn="ctr"/>
             <a:r>
-              <a:rPr lang="en-US" sz="1200" dirty="0"/>
+              <a:rPr lang="en-US" sz="1600" dirty="0"/>
               <a:t>2/3 Points</a:t>
             </a:r>
           </a:p>
@@ -5651,8 +5651,8 @@
         </p:nvSpPr>
         <p:spPr>
           <a:xfrm>
-            <a:off x="2522397" y="1185853"/>
-            <a:ext cx="867048" cy="276999"/>
+            <a:off x="2473638" y="920069"/>
+            <a:ext cx="867048" cy="584775"/>
           </a:xfrm>
           <a:prstGeom prst="rect">
             <a:avLst/>
@@ -5667,7 +5667,7 @@
           <a:p>
             <a:pPr algn="ctr"/>
             <a:r>
-              <a:rPr lang="en-US" sz="1200" dirty="0"/>
+              <a:rPr lang="en-US" sz="1600" dirty="0"/>
               <a:t>0/3 Points</a:t>
             </a:r>
           </a:p>
@@ -5691,8 +5691,8 @@
         </p:nvCxnSpPr>
         <p:spPr>
           <a:xfrm flipH="1">
-            <a:off x="4741248" y="2330938"/>
-            <a:ext cx="146978" cy="150821"/>
+            <a:off x="4741248" y="2236882"/>
+            <a:ext cx="168065" cy="244877"/>
           </a:xfrm>
           <a:prstGeom prst="straightConnector1">
             <a:avLst/>
@@ -5734,8 +5734,8 @@
         </p:nvCxnSpPr>
         <p:spPr>
           <a:xfrm>
-            <a:off x="2955921" y="1462852"/>
-            <a:ext cx="167872" cy="141073"/>
+            <a:off x="2907162" y="1504844"/>
+            <a:ext cx="216631" cy="99081"/>
           </a:xfrm>
           <a:prstGeom prst="straightConnector1">
             <a:avLst/>
@@ -5770,15 +5770,14 @@
           </p:cNvPr>
           <p:cNvCxnSpPr>
             <a:cxnSpLocks/>
-            <a:stCxn id="40" idx="0"/>
             <a:endCxn id="17" idx="3"/>
           </p:cNvCxnSpPr>
           <p:nvPr/>
         </p:nvCxnSpPr>
         <p:spPr>
           <a:xfrm flipV="1">
-            <a:off x="3644996" y="4545448"/>
-            <a:ext cx="180144" cy="146571"/>
+            <a:off x="3446584" y="4545448"/>
+            <a:ext cx="378556" cy="154267"/>
           </a:xfrm>
           <a:prstGeom prst="straightConnector1">
             <a:avLst/>
@@ -5817,7 +5816,7 @@
         <p:spPr>
           <a:xfrm>
             <a:off x="2973278" y="3429000"/>
-            <a:ext cx="757508" cy="276999"/>
+            <a:ext cx="757508" cy="338554"/>
           </a:xfrm>
           <a:prstGeom prst="rect">
             <a:avLst/>
@@ -5832,11 +5831,11 @@
           <a:p>
             <a:pPr algn="ctr"/>
             <a:r>
-              <a:rPr lang="en-US" sz="1200" dirty="0"/>
+              <a:rPr lang="en-US" sz="1600" dirty="0"/>
               <a:t>C</a:t>
             </a:r>
             <a:r>
-              <a:rPr lang="en-US" sz="1200" baseline="-25000" dirty="0"/>
+              <a:rPr lang="en-US" sz="1600" baseline="-25000" dirty="0"/>
               <a:t>1</a:t>
             </a:r>
           </a:p>
@@ -5857,7 +5856,7 @@
         <p:spPr>
           <a:xfrm>
             <a:off x="6514956" y="3424560"/>
-            <a:ext cx="757508" cy="276999"/>
+            <a:ext cx="757508" cy="338554"/>
           </a:xfrm>
           <a:prstGeom prst="rect">
             <a:avLst/>
@@ -5872,11 +5871,11 @@
           <a:p>
             <a:pPr algn="ctr"/>
             <a:r>
-              <a:rPr lang="en-US" sz="1200" dirty="0"/>
+              <a:rPr lang="en-US" sz="1600" dirty="0"/>
               <a:t>C</a:t>
             </a:r>
             <a:r>
-              <a:rPr lang="en-US" sz="1200" baseline="-25000" dirty="0"/>
+              <a:rPr lang="en-US" sz="1600" baseline="-25000" dirty="0"/>
               <a:t>1</a:t>
             </a:r>
           </a:p>
@@ -5897,7 +5896,7 @@
         <p:spPr>
           <a:xfrm>
             <a:off x="3934544" y="4365601"/>
-            <a:ext cx="757508" cy="276999"/>
+            <a:ext cx="757508" cy="338554"/>
           </a:xfrm>
           <a:prstGeom prst="rect">
             <a:avLst/>
@@ -5912,11 +5911,11 @@
           <a:p>
             <a:pPr algn="ctr"/>
             <a:r>
-              <a:rPr lang="en-US" sz="1200" dirty="0"/>
+              <a:rPr lang="en-US" sz="1600" dirty="0"/>
               <a:t>C</a:t>
             </a:r>
             <a:r>
-              <a:rPr lang="en-US" sz="1200" baseline="-25000" dirty="0"/>
+              <a:rPr lang="en-US" sz="1600" baseline="-25000" dirty="0"/>
               <a:t>3</a:t>
             </a:r>
           </a:p>
@@ -5937,7 +5936,7 @@
         <p:spPr>
           <a:xfrm>
             <a:off x="7476222" y="4361161"/>
-            <a:ext cx="757508" cy="276999"/>
+            <a:ext cx="757508" cy="338554"/>
           </a:xfrm>
           <a:prstGeom prst="rect">
             <a:avLst/>
@@ -5952,11 +5951,11 @@
           <a:p>
             <a:pPr algn="ctr"/>
             <a:r>
-              <a:rPr lang="en-US" sz="1200" dirty="0"/>
+              <a:rPr lang="en-US" sz="1600" dirty="0"/>
               <a:t>C</a:t>
             </a:r>
             <a:r>
-              <a:rPr lang="en-US" sz="1200" baseline="-25000" dirty="0"/>
+              <a:rPr lang="en-US" sz="1600" baseline="-25000" dirty="0"/>
               <a:t>3</a:t>
             </a:r>
           </a:p>
@@ -5977,7 +5976,7 @@
         <p:spPr>
           <a:xfrm>
             <a:off x="2836054" y="1981271"/>
-            <a:ext cx="757508" cy="276999"/>
+            <a:ext cx="757508" cy="338554"/>
           </a:xfrm>
           <a:prstGeom prst="rect">
             <a:avLst/>
@@ -5992,11 +5991,11 @@
           <a:p>
             <a:pPr algn="ctr"/>
             <a:r>
-              <a:rPr lang="en-US" sz="1200" dirty="0"/>
+              <a:rPr lang="en-US" sz="1600" dirty="0"/>
               <a:t>C</a:t>
             </a:r>
             <a:r>
-              <a:rPr lang="en-US" sz="1200" baseline="-25000" dirty="0"/>
+              <a:rPr lang="en-US" sz="1600" baseline="-25000" dirty="0"/>
               <a:t>4</a:t>
             </a:r>
           </a:p>
@@ -6017,7 +6016,7 @@
         <p:spPr>
           <a:xfrm>
             <a:off x="6377732" y="1976831"/>
-            <a:ext cx="757508" cy="276999"/>
+            <a:ext cx="757508" cy="338554"/>
           </a:xfrm>
           <a:prstGeom prst="rect">
             <a:avLst/>
@@ -6032,11 +6031,11 @@
           <a:p>
             <a:pPr algn="ctr"/>
             <a:r>
-              <a:rPr lang="en-US" sz="1200" dirty="0"/>
+              <a:rPr lang="en-US" sz="1600" dirty="0"/>
               <a:t>C</a:t>
             </a:r>
             <a:r>
-              <a:rPr lang="en-US" sz="1200" baseline="-25000" dirty="0"/>
+              <a:rPr lang="en-US" sz="1600" baseline="-25000" dirty="0"/>
               <a:t>4</a:t>
             </a:r>
           </a:p>
@@ -6057,7 +6056,7 @@
         <p:spPr>
           <a:xfrm>
             <a:off x="4352943" y="2764220"/>
-            <a:ext cx="757508" cy="276999"/>
+            <a:ext cx="757508" cy="338554"/>
           </a:xfrm>
           <a:prstGeom prst="rect">
             <a:avLst/>
@@ -6072,11 +6071,11 @@
           <a:p>
             <a:pPr algn="ctr"/>
             <a:r>
-              <a:rPr lang="en-US" sz="1200" dirty="0"/>
+              <a:rPr lang="en-US" sz="1600" dirty="0"/>
               <a:t>C</a:t>
             </a:r>
             <a:r>
-              <a:rPr lang="en-US" sz="1200" baseline="-25000" dirty="0"/>
+              <a:rPr lang="en-US" sz="1600" baseline="-25000" dirty="0"/>
               <a:t>2</a:t>
             </a:r>
           </a:p>
